--- a/presentation2.pptx
+++ b/presentation2.pptx
@@ -104,6 +104,11 @@
       </a:defRPr>
     </a:lvl9pPr>
   </p:defaultTextStyle>
+  <p:extLst>
+    <p:ext uri="{EFAFB233-063F-42B5-8137-9DF3F51BA10A}">
+      <p15:sldGuideLst xmlns:p15="http://schemas.microsoft.com/office/powerpoint/2012/main"/>
+    </p:ext>
+  </p:extLst>
 </p:presentation>
 </file>
 
@@ -3329,41 +3334,6 @@
           <a:chExt cx="0" cy="0"/>
         </a:xfrm>
       </p:grpSpPr>
-      <p:pic>
-        <p:nvPicPr>
-          <p:cNvPr id="5" name="Picture 4" descr="A cat that is looking at the camera&#10;&#10;Description automatically generated">
-            <a:extLst>
-              <a:ext uri="{FF2B5EF4-FFF2-40B4-BE49-F238E27FC236}">
-                <a16:creationId xmlns:a16="http://schemas.microsoft.com/office/drawing/2014/main" id="{65D369C2-D259-4C1F-9956-77E9D601CD83}"/>
-              </a:ext>
-            </a:extLst>
-          </p:cNvPr>
-          <p:cNvPicPr>
-            <a:picLocks noChangeAspect="1"/>
-          </p:cNvPicPr>
-          <p:nvPr/>
-        </p:nvPicPr>
-        <p:blipFill rotWithShape="1">
-          <a:blip r:embed="rId2">
-            <a:extLst>
-              <a:ext uri="{28A0092B-C50C-407E-A947-70E740481C1C}">
-                <a14:useLocalDpi xmlns:a14="http://schemas.microsoft.com/office/drawing/2010/main" val="0"/>
-              </a:ext>
-            </a:extLst>
-          </a:blip>
-          <a:srcRect/>
-          <a:stretch/>
-        </p:blipFill>
-        <p:spPr>
-          <a:xfrm>
-            <a:off x="20" y="10"/>
-            <a:ext cx="12191980" cy="6857990"/>
-          </a:xfrm>
-          <a:prstGeom prst="rect">
-            <a:avLst/>
-          </a:prstGeom>
-        </p:spPr>
-      </p:pic>
       <p:sp>
         <p:nvSpPr>
           <p:cNvPr id="10" name="Freeform 5">

--- a/presentation2.pptx
+++ b/presentation2.pptx
@@ -3567,6 +3567,42 @@
           </a:fontRef>
         </p:style>
       </p:cxnSp>
+      <p:pic>
+        <p:nvPicPr>
+          <p:cNvPr id="4" name="Picture 3" descr="A cat that is lying down and looking at the camera&#10;&#10;Description automatically generated">
+            <a:extLst>
+              <a:ext uri="{FF2B5EF4-FFF2-40B4-BE49-F238E27FC236}">
+                <a16:creationId xmlns:a16="http://schemas.microsoft.com/office/drawing/2014/main" id="{4E2E62CD-7788-4DE2-9C91-8391A489F554}"/>
+              </a:ext>
+            </a:extLst>
+          </p:cNvPr>
+          <p:cNvPicPr>
+            <a:picLocks noChangeAspect="1"/>
+          </p:cNvPicPr>
+          <p:nvPr/>
+        </p:nvPicPr>
+        <p:blipFill>
+          <a:blip r:embed="rId2">
+            <a:extLst>
+              <a:ext uri="{28A0092B-C50C-407E-A947-70E740481C1C}">
+                <a14:useLocalDpi xmlns:a14="http://schemas.microsoft.com/office/drawing/2010/main" val="0"/>
+              </a:ext>
+            </a:extLst>
+          </a:blip>
+          <a:stretch>
+            <a:fillRect/>
+          </a:stretch>
+        </p:blipFill>
+        <p:spPr>
+          <a:xfrm>
+            <a:off x="0" y="0"/>
+            <a:ext cx="12192000" cy="6858000"/>
+          </a:xfrm>
+          <a:prstGeom prst="rect">
+            <a:avLst/>
+          </a:prstGeom>
+        </p:spPr>
+      </p:pic>
     </p:spTree>
     <p:extLst>
       <p:ext uri="{BB962C8B-B14F-4D97-AF65-F5344CB8AC3E}">
